--- a/Documentacao/Especificacao_Sistema_Informacao/Apresentação AMSI/AndroidPowerPoint.pptx
+++ b/Documentacao/Especificacao_Sistema_Informacao/Apresentação AMSI/AndroidPowerPoint.pptx
@@ -5620,8 +5620,8 @@
         </p:nvSpPr>
         <p:spPr>
           <a:xfrm>
-            <a:off x="8313066" y="1729466"/>
-            <a:ext cx="3282696" cy="1200329"/>
+            <a:off x="2174529" y="4287301"/>
+            <a:ext cx="7842937" cy="646331"/>
           </a:xfrm>
           <a:prstGeom prst="rect">
             <a:avLst/>
@@ -5634,9 +5634,23 @@
           </a:bodyPr>
           <a:lstStyle/>
           <a:p>
+            <a:pPr marL="285750" indent="-285750">
+              <a:buFont typeface="Arial" panose="020B0604020202020204" pitchFamily="34" charset="0"/>
+              <a:buChar char="•"/>
+            </a:pPr>
             <a:r>
               <a:rPr lang="pt-PT" dirty="0"/>
-              <a:t>Todas as funcionalidades que a aplicação terá presente (… Completar com observações muito mais pertinentes …)</a:t>
+              <a:t>Visualização de Leitores, a sua respetiva ficha e catalogação de exemplares.</a:t>
+            </a:r>
+          </a:p>
+          <a:p>
+            <a:pPr marL="285750" indent="-285750">
+              <a:buFont typeface="Arial" panose="020B0604020202020204" pitchFamily="34" charset="0"/>
+              <a:buChar char="•"/>
+            </a:pPr>
+            <a:r>
+              <a:rPr lang="pt-PT" dirty="0"/>
+              <a:t>Inserção, edição e eliminação de leitores, obras e exemplares.</a:t>
             </a:r>
           </a:p>
         </p:txBody>
@@ -5671,7 +5685,7 @@
         </p:blipFill>
         <p:spPr>
           <a:xfrm>
-            <a:off x="470129" y="1729466"/>
+            <a:off x="2174528" y="1617940"/>
             <a:ext cx="7842937" cy="583428"/>
           </a:xfrm>
         </p:spPr>
@@ -5704,7 +5718,7 @@
         </p:blipFill>
         <p:spPr>
           <a:xfrm>
-            <a:off x="470129" y="2304243"/>
+            <a:off x="2174531" y="2188668"/>
             <a:ext cx="7842937" cy="2058667"/>
           </a:xfrm>
           <a:prstGeom prst="rect">
@@ -5772,7 +5786,7 @@
         </p:blipFill>
         <p:spPr>
           <a:xfrm>
-            <a:off x="517207" y="1569154"/>
+            <a:off x="2173224" y="1514558"/>
             <a:ext cx="7845552" cy="583622"/>
           </a:xfrm>
         </p:spPr>
@@ -5860,7 +5874,7 @@
         </p:blipFill>
         <p:spPr>
           <a:xfrm>
-            <a:off x="517208" y="2143811"/>
+            <a:off x="2173224" y="2087215"/>
             <a:ext cx="7845552" cy="2517914"/>
           </a:xfrm>
           <a:prstGeom prst="rect">
@@ -5882,8 +5896,8 @@
         </p:nvSpPr>
         <p:spPr>
           <a:xfrm>
-            <a:off x="8313066" y="1729466"/>
-            <a:ext cx="3282696" cy="1200329"/>
+            <a:off x="2173224" y="4614571"/>
+            <a:ext cx="7845552" cy="923330"/>
           </a:xfrm>
           <a:prstGeom prst="rect">
             <a:avLst/>
@@ -5896,10 +5910,21 @@
           </a:bodyPr>
           <a:lstStyle/>
           <a:p>
+            <a:pPr marL="285750" indent="-285750">
+              <a:buFont typeface="Arial" panose="020B0604020202020204" pitchFamily="34" charset="0"/>
+              <a:buChar char="•"/>
+            </a:pPr>
             <a:r>
               <a:rPr lang="pt-PT" dirty="0"/>
-              <a:t>Todas as funcionalidades que a aplicação terá presente (… Completar com observações muito mais pertinentes …)</a:t>
-            </a:r>
+              <a:t>Visualização de empréstimos, consultas em tempo real, renovações, devoluções, reservas e transferências.</a:t>
+            </a:r>
+          </a:p>
+          <a:p>
+            <a:pPr marL="285750" indent="-285750">
+              <a:buFont typeface="Arial" panose="020B0604020202020204" pitchFamily="34" charset="0"/>
+              <a:buChar char="•"/>
+            </a:pPr>
+            <a:endParaRPr lang="pt-PT" dirty="0"/>
           </a:p>
         </p:txBody>
       </p:sp>
